--- a/subjects/WWW/Bazy danych - całość.pptx
+++ b/subjects/WWW/Bazy danych - całość.pptx
@@ -208,7 +208,7 @@
 <file path=ppt/revisionInfo.xml><?xml version="1.0" encoding="utf-8"?>
 <p1510:revInfo xmlns:a="http://schemas.openxmlformats.org/drawingml/2006/main" xmlns:r="http://schemas.openxmlformats.org/officeDocument/2006/relationships" xmlns:p1510="http://schemas.microsoft.com/office/powerpoint/2015/10/main">
   <p1510:revLst>
-    <p1510:client id="{9B6C8081-79AC-4E5A-94B5-A1550F67EA47}" v="11" dt="2024-02-13T09:00:00.541"/>
+    <p1510:client id="{9B6C8081-79AC-4E5A-94B5-A1550F67EA47}" v="12" dt="2024-02-13T09:21:45.046"/>
   </p1510:revLst>
 </p1510:revInfo>
 </file>
@@ -462,7 +462,7 @@
   <pc:docChgLst>
     <pc:chgData name="Serafin Patryk" userId="ce8cf8d3-b140-43f7-9541-10745587815e" providerId="ADAL" clId="{9B6C8081-79AC-4E5A-94B5-A1550F67EA47}"/>
     <pc:docChg chg="undo custSel addSld delSld modSld sldOrd">
-      <pc:chgData name="Serafin Patryk" userId="ce8cf8d3-b140-43f7-9541-10745587815e" providerId="ADAL" clId="{9B6C8081-79AC-4E5A-94B5-A1550F67EA47}" dt="2024-02-13T08:54:51.186" v="1224" actId="207"/>
+      <pc:chgData name="Serafin Patryk" userId="ce8cf8d3-b140-43f7-9541-10745587815e" providerId="ADAL" clId="{9B6C8081-79AC-4E5A-94B5-A1550F67EA47}" dt="2024-02-13T09:21:38.987" v="1229" actId="47"/>
       <pc:docMkLst>
         <pc:docMk/>
       </pc:docMkLst>
@@ -627,8 +627,8 @@
           </ac:spMkLst>
         </pc:spChg>
       </pc:sldChg>
-      <pc:sldChg chg="modSp mod">
-        <pc:chgData name="Serafin Patryk" userId="ce8cf8d3-b140-43f7-9541-10745587815e" providerId="ADAL" clId="{9B6C8081-79AC-4E5A-94B5-A1550F67EA47}" dt="2024-02-13T08:45:28.903" v="949" actId="20577"/>
+      <pc:sldChg chg="modSp del mod">
+        <pc:chgData name="Serafin Patryk" userId="ce8cf8d3-b140-43f7-9541-10745587815e" providerId="ADAL" clId="{9B6C8081-79AC-4E5A-94B5-A1550F67EA47}" dt="2024-02-13T09:21:38.987" v="1229" actId="47"/>
         <pc:sldMkLst>
           <pc:docMk/>
           <pc:sldMk cId="1426184852" sldId="423"/>
@@ -642,7 +642,7 @@
           </ac:spMkLst>
         </pc:spChg>
         <pc:spChg chg="mod">
-          <ac:chgData name="Serafin Patryk" userId="ce8cf8d3-b140-43f7-9541-10745587815e" providerId="ADAL" clId="{9B6C8081-79AC-4E5A-94B5-A1550F67EA47}" dt="2024-02-13T08:45:28.903" v="949" actId="20577"/>
+          <ac:chgData name="Serafin Patryk" userId="ce8cf8d3-b140-43f7-9541-10745587815e" providerId="ADAL" clId="{9B6C8081-79AC-4E5A-94B5-A1550F67EA47}" dt="2024-02-13T09:15:55.778" v="1228"/>
           <ac:spMkLst>
             <pc:docMk/>
             <pc:sldMk cId="1426184852" sldId="423"/>
@@ -650,8 +650,8 @@
           </ac:spMkLst>
         </pc:spChg>
       </pc:sldChg>
-      <pc:sldChg chg="modSp add mod">
-        <pc:chgData name="Serafin Patryk" userId="ce8cf8d3-b140-43f7-9541-10745587815e" providerId="ADAL" clId="{9B6C8081-79AC-4E5A-94B5-A1550F67EA47}" dt="2024-02-13T08:46:03.434" v="954" actId="20577"/>
+      <pc:sldChg chg="modSp add del mod">
+        <pc:chgData name="Serafin Patryk" userId="ce8cf8d3-b140-43f7-9541-10745587815e" providerId="ADAL" clId="{9B6C8081-79AC-4E5A-94B5-A1550F67EA47}" dt="2024-02-13T09:21:38.987" v="1229" actId="47"/>
         <pc:sldMkLst>
           <pc:docMk/>
           <pc:sldMk cId="1852254844" sldId="424"/>
@@ -673,8 +673,8 @@
           </ac:spMkLst>
         </pc:spChg>
       </pc:sldChg>
-      <pc:sldChg chg="modSp add mod">
-        <pc:chgData name="Serafin Patryk" userId="ce8cf8d3-b140-43f7-9541-10745587815e" providerId="ADAL" clId="{9B6C8081-79AC-4E5A-94B5-A1550F67EA47}" dt="2024-02-13T08:51:23.176" v="1156" actId="114"/>
+      <pc:sldChg chg="modSp add del mod">
+        <pc:chgData name="Serafin Patryk" userId="ce8cf8d3-b140-43f7-9541-10745587815e" providerId="ADAL" clId="{9B6C8081-79AC-4E5A-94B5-A1550F67EA47}" dt="2024-02-13T09:21:38.987" v="1229" actId="47"/>
         <pc:sldMkLst>
           <pc:docMk/>
           <pc:sldMk cId="162257550" sldId="425"/>
@@ -35331,7 +35331,7 @@
             </a:pPr>
             <a:r>
               <a:rPr lang="pl-PL" sz="1800" dirty="0"/>
-              <a:t>Oznacza, że każdy element występuje w każdej tabeli tylko raz. </a:t>
+              <a:t>Oznacza, że jeden element w jednej tabeli może być powiązany z tylko jednym elementem z innej tabeli. </a:t>
             </a:r>
           </a:p>
           <a:p>
@@ -35347,6 +35347,51 @@
           </a:p>
         </p:txBody>
       </p:sp>
+      <p:pic>
+        <p:nvPicPr>
+          <p:cNvPr id="1028" name="Picture 4" descr="1-to-1">
+            <a:extLst>
+              <a:ext uri="{FF2B5EF4-FFF2-40B4-BE49-F238E27FC236}">
+                <a16:creationId xmlns:a16="http://schemas.microsoft.com/office/drawing/2014/main" id="{A6820671-5CCC-7E16-F478-D779AD6E609B}"/>
+              </a:ext>
+            </a:extLst>
+          </p:cNvPr>
+          <p:cNvPicPr>
+            <a:picLocks noChangeAspect="1" noChangeArrowheads="1"/>
+          </p:cNvPicPr>
+          <p:nvPr/>
+        </p:nvPicPr>
+        <p:blipFill rotWithShape="1">
+          <a:blip r:embed="rId3">
+            <a:extLst>
+              <a:ext uri="{28A0092B-C50C-407E-A947-70E740481C1C}">
+                <a14:useLocalDpi xmlns:a14="http://schemas.microsoft.com/office/drawing/2010/main" val="0"/>
+              </a:ext>
+            </a:extLst>
+          </a:blip>
+          <a:srcRect b="12543"/>
+          <a:stretch/>
+        </p:blipFill>
+        <p:spPr bwMode="auto">
+          <a:xfrm>
+            <a:off x="2352674" y="5416854"/>
+            <a:ext cx="7486650" cy="1441146"/>
+          </a:xfrm>
+          <a:prstGeom prst="rect">
+            <a:avLst/>
+          </a:prstGeom>
+          <a:noFill/>
+          <a:extLst>
+            <a:ext uri="{909E8E84-426E-40DD-AFC4-6F175D3DCCD1}">
+              <a14:hiddenFill xmlns:a14="http://schemas.microsoft.com/office/drawing/2010/main">
+                <a:solidFill>
+                  <a:srgbClr val="FFFFFF"/>
+                </a:solidFill>
+              </a14:hiddenFill>
+            </a:ext>
+          </a:extLst>
+        </p:spPr>
+      </p:pic>
     </p:spTree>
     <p:extLst>
       <p:ext uri="{BB962C8B-B14F-4D97-AF65-F5344CB8AC3E}">
@@ -35499,6 +35544,51 @@
           </a:p>
         </p:txBody>
       </p:sp>
+      <p:pic>
+        <p:nvPicPr>
+          <p:cNvPr id="2050" name="Picture 2" descr="One to Many Relationship (Entity-Relationship Diagram) - Software Ideas  Modeler">
+            <a:extLst>
+              <a:ext uri="{FF2B5EF4-FFF2-40B4-BE49-F238E27FC236}">
+                <a16:creationId xmlns:a16="http://schemas.microsoft.com/office/drawing/2014/main" id="{C090EE11-F225-B60D-F736-96BBA753C4BA}"/>
+              </a:ext>
+            </a:extLst>
+          </p:cNvPr>
+          <p:cNvPicPr>
+            <a:picLocks noChangeAspect="1" noChangeArrowheads="1"/>
+          </p:cNvPicPr>
+          <p:nvPr/>
+        </p:nvPicPr>
+        <p:blipFill rotWithShape="1">
+          <a:blip r:embed="rId3">
+            <a:extLst>
+              <a:ext uri="{28A0092B-C50C-407E-A947-70E740481C1C}">
+                <a14:useLocalDpi xmlns:a14="http://schemas.microsoft.com/office/drawing/2010/main" val="0"/>
+              </a:ext>
+            </a:extLst>
+          </a:blip>
+          <a:srcRect b="38864"/>
+          <a:stretch/>
+        </p:blipFill>
+        <p:spPr bwMode="auto">
+          <a:xfrm>
+            <a:off x="3709986" y="5774880"/>
+            <a:ext cx="4772025" cy="1083110"/>
+          </a:xfrm>
+          <a:prstGeom prst="rect">
+            <a:avLst/>
+          </a:prstGeom>
+          <a:noFill/>
+          <a:extLst>
+            <a:ext uri="{909E8E84-426E-40DD-AFC4-6F175D3DCCD1}">
+              <a14:hiddenFill xmlns:a14="http://schemas.microsoft.com/office/drawing/2010/main">
+                <a:solidFill>
+                  <a:srgbClr val="FFFFFF"/>
+                </a:solidFill>
+              </a14:hiddenFill>
+            </a:ext>
+          </a:extLst>
+        </p:spPr>
+      </p:pic>
     </p:spTree>
     <p:extLst>
       <p:ext uri="{BB962C8B-B14F-4D97-AF65-F5344CB8AC3E}">
@@ -35697,6 +35787,53 @@
           </a:p>
         </p:txBody>
       </p:sp>
+      <p:pic>
+        <p:nvPicPr>
+          <p:cNvPr id="3074" name="Picture 2" descr="Many-to-many (data model) - Wikipedia">
+            <a:extLst>
+              <a:ext uri="{FF2B5EF4-FFF2-40B4-BE49-F238E27FC236}">
+                <a16:creationId xmlns:a16="http://schemas.microsoft.com/office/drawing/2014/main" id="{EECFD739-7C3D-E3EF-DC68-2A2644381675}"/>
+              </a:ext>
+            </a:extLst>
+          </p:cNvPr>
+          <p:cNvPicPr>
+            <a:picLocks noChangeAspect="1" noChangeArrowheads="1"/>
+          </p:cNvPicPr>
+          <p:nvPr/>
+        </p:nvPicPr>
+        <p:blipFill>
+          <a:blip r:embed="rId3">
+            <a:extLst>
+              <a:ext uri="{28A0092B-C50C-407E-A947-70E740481C1C}">
+                <a14:useLocalDpi xmlns:a14="http://schemas.microsoft.com/office/drawing/2010/main" val="0"/>
+              </a:ext>
+            </a:extLst>
+          </a:blip>
+          <a:srcRect/>
+          <a:stretch>
+            <a:fillRect/>
+          </a:stretch>
+        </p:blipFill>
+        <p:spPr bwMode="auto">
+          <a:xfrm>
+            <a:off x="20" y="2415543"/>
+            <a:ext cx="6095979" cy="2026913"/>
+          </a:xfrm>
+          <a:prstGeom prst="rect">
+            <a:avLst/>
+          </a:prstGeom>
+          <a:noFill/>
+          <a:extLst>
+            <a:ext uri="{909E8E84-426E-40DD-AFC4-6F175D3DCCD1}">
+              <a14:hiddenFill xmlns:a14="http://schemas.microsoft.com/office/drawing/2010/main">
+                <a:solidFill>
+                  <a:srgbClr val="FFFFFF"/>
+                </a:solidFill>
+              </a14:hiddenFill>
+            </a:ext>
+          </a:extLst>
+        </p:spPr>
+      </p:pic>
     </p:spTree>
     <p:extLst>
       <p:ext uri="{BB962C8B-B14F-4D97-AF65-F5344CB8AC3E}">
